--- a/FL23D105 Defense Presentation.pptx
+++ b/FL23D105 Defense Presentation.pptx
@@ -6484,7 +6484,7 @@
                 <a:latin typeface="Times New Roman" pitchFamily="18" charset="0"/>
                 <a:cs typeface="Times New Roman" pitchFamily="18" charset="0"/>
               </a:rPr>
-              <a:t>Model Evaluation</a:t>
+              <a:t>Model Evaluations</a:t>
             </a:r>
             <a:endParaRPr lang="en-US" dirty="0">
               <a:solidFill>
@@ -7246,7 +7246,7 @@
                 <a:latin typeface="Times New Roman" pitchFamily="18" charset="0"/>
                 <a:cs typeface="Times New Roman" pitchFamily="18" charset="0"/>
               </a:rPr>
-              <a:t>Model Evaluation</a:t>
+              <a:t>Model Evaluations</a:t>
             </a:r>
             <a:endParaRPr lang="en-US" dirty="0">
               <a:solidFill>
@@ -7988,7 +7988,7 @@
                 <a:latin typeface="Times New Roman" pitchFamily="18" charset="0"/>
                 <a:cs typeface="Times New Roman" pitchFamily="18" charset="0"/>
               </a:rPr>
-              <a:t>Model Evaluation</a:t>
+              <a:t>Model Evaluations</a:t>
             </a:r>
             <a:endParaRPr lang="en-US" dirty="0">
               <a:solidFill>
@@ -8338,7 +8338,7 @@
                   <a:schemeClr val="tx1"/>
                 </a:solidFill>
               </a:rPr>
-              <a:t>Testing</a:t>
+              <a:t>Training</a:t>
             </a:r>
             <a:endParaRPr lang="en-US" sz="2000" dirty="0">
               <a:solidFill>
@@ -8564,15 +8564,7 @@
                   <a:schemeClr val="tx1"/>
                 </a:solidFill>
               </a:rPr>
-              <a:t>Confusion </a:t>
-            </a:r>
-            <a:r>
-              <a:rPr lang="en-GB" sz="2000" dirty="0" err="1">
-                <a:solidFill>
-                  <a:schemeClr val="tx1"/>
-                </a:solidFill>
-              </a:rPr>
-              <a:t>Matrics</a:t>
+              <a:t>Confusion Matrix</a:t>
             </a:r>
             <a:endParaRPr lang="en-US" sz="2000" dirty="0">
               <a:solidFill>
@@ -10642,7 +10634,7 @@
                 <a:latin typeface="Times New Roman" panose="02020603050405020304" pitchFamily="18" charset="0"/>
                 <a:cs typeface="Times New Roman" panose="02020603050405020304" pitchFamily="18" charset="0"/>
               </a:rPr>
-              <a:t>Model Evaluation</a:t>
+              <a:t>Model Evaluations</a:t>
             </a:r>
           </a:p>
           <a:p>
